--- a/IconEditor/Boot_Tools.pptx
+++ b/IconEditor/Boot_Tools.pptx
@@ -243,7 +243,7 @@
           <a:p>
             <a:fld id="{963033C0-5CE6-43B5-824E-825800F4D89A}" type="datetimeFigureOut">
               <a:rPr lang="zh-CN" altLang="en-US" smtClean="0"/>
-              <a:t>2023-5-7</a:t>
+              <a:t>2023-5-14</a:t>
             </a:fld>
             <a:endParaRPr lang="zh-CN" altLang="en-US"/>
           </a:p>
@@ -1411,7 +1411,7 @@
           <a:p>
             <a:fld id="{6786A9BE-9AB0-4816-9C4A-E57E7110ABF7}" type="datetimeFigureOut">
               <a:rPr lang="zh-CN" altLang="en-US" smtClean="0"/>
-              <a:t>2023-5-7</a:t>
+              <a:t>2023-5-14</a:t>
             </a:fld>
             <a:endParaRPr lang="zh-CN" altLang="en-US"/>
           </a:p>
@@ -1581,7 +1581,7 @@
           <a:p>
             <a:fld id="{6786A9BE-9AB0-4816-9C4A-E57E7110ABF7}" type="datetimeFigureOut">
               <a:rPr lang="zh-CN" altLang="en-US" smtClean="0"/>
-              <a:t>2023-5-7</a:t>
+              <a:t>2023-5-14</a:t>
             </a:fld>
             <a:endParaRPr lang="zh-CN" altLang="en-US"/>
           </a:p>
@@ -1761,7 +1761,7 @@
           <a:p>
             <a:fld id="{6786A9BE-9AB0-4816-9C4A-E57E7110ABF7}" type="datetimeFigureOut">
               <a:rPr lang="zh-CN" altLang="en-US" smtClean="0"/>
-              <a:t>2023-5-7</a:t>
+              <a:t>2023-5-14</a:t>
             </a:fld>
             <a:endParaRPr lang="zh-CN" altLang="en-US"/>
           </a:p>
@@ -1931,7 +1931,7 @@
           <a:p>
             <a:fld id="{6786A9BE-9AB0-4816-9C4A-E57E7110ABF7}" type="datetimeFigureOut">
               <a:rPr lang="zh-CN" altLang="en-US" smtClean="0"/>
-              <a:t>2023-5-7</a:t>
+              <a:t>2023-5-14</a:t>
             </a:fld>
             <a:endParaRPr lang="zh-CN" altLang="en-US"/>
           </a:p>
@@ -2175,7 +2175,7 @@
           <a:p>
             <a:fld id="{6786A9BE-9AB0-4816-9C4A-E57E7110ABF7}" type="datetimeFigureOut">
               <a:rPr lang="zh-CN" altLang="en-US" smtClean="0"/>
-              <a:t>2023-5-7</a:t>
+              <a:t>2023-5-14</a:t>
             </a:fld>
             <a:endParaRPr lang="zh-CN" altLang="en-US"/>
           </a:p>
@@ -2407,7 +2407,7 @@
           <a:p>
             <a:fld id="{6786A9BE-9AB0-4816-9C4A-E57E7110ABF7}" type="datetimeFigureOut">
               <a:rPr lang="zh-CN" altLang="en-US" smtClean="0"/>
-              <a:t>2023-5-7</a:t>
+              <a:t>2023-5-14</a:t>
             </a:fld>
             <a:endParaRPr lang="zh-CN" altLang="en-US"/>
           </a:p>
@@ -2774,7 +2774,7 @@
           <a:p>
             <a:fld id="{6786A9BE-9AB0-4816-9C4A-E57E7110ABF7}" type="datetimeFigureOut">
               <a:rPr lang="zh-CN" altLang="en-US" smtClean="0"/>
-              <a:t>2023-5-7</a:t>
+              <a:t>2023-5-14</a:t>
             </a:fld>
             <a:endParaRPr lang="zh-CN" altLang="en-US"/>
           </a:p>
@@ -2892,7 +2892,7 @@
           <a:p>
             <a:fld id="{6786A9BE-9AB0-4816-9C4A-E57E7110ABF7}" type="datetimeFigureOut">
               <a:rPr lang="zh-CN" altLang="en-US" smtClean="0"/>
-              <a:t>2023-5-7</a:t>
+              <a:t>2023-5-14</a:t>
             </a:fld>
             <a:endParaRPr lang="zh-CN" altLang="en-US"/>
           </a:p>
@@ -2987,7 +2987,7 @@
           <a:p>
             <a:fld id="{6786A9BE-9AB0-4816-9C4A-E57E7110ABF7}" type="datetimeFigureOut">
               <a:rPr lang="zh-CN" altLang="en-US" smtClean="0"/>
-              <a:t>2023-5-7</a:t>
+              <a:t>2023-5-14</a:t>
             </a:fld>
             <a:endParaRPr lang="zh-CN" altLang="en-US"/>
           </a:p>
@@ -3264,7 +3264,7 @@
           <a:p>
             <a:fld id="{6786A9BE-9AB0-4816-9C4A-E57E7110ABF7}" type="datetimeFigureOut">
               <a:rPr lang="zh-CN" altLang="en-US" smtClean="0"/>
-              <a:t>2023-5-7</a:t>
+              <a:t>2023-5-14</a:t>
             </a:fld>
             <a:endParaRPr lang="zh-CN" altLang="en-US"/>
           </a:p>
@@ -3521,7 +3521,7 @@
           <a:p>
             <a:fld id="{6786A9BE-9AB0-4816-9C4A-E57E7110ABF7}" type="datetimeFigureOut">
               <a:rPr lang="zh-CN" altLang="en-US" smtClean="0"/>
-              <a:t>2023-5-7</a:t>
+              <a:t>2023-5-14</a:t>
             </a:fld>
             <a:endParaRPr lang="zh-CN" altLang="en-US"/>
           </a:p>
@@ -3737,7 +3737,7 @@
           <a:p>
             <a:fld id="{6786A9BE-9AB0-4816-9C4A-E57E7110ABF7}" type="datetimeFigureOut">
               <a:rPr lang="zh-CN" altLang="en-US" smtClean="0"/>
-              <a:t>2023-5-7</a:t>
+              <a:t>2023-5-14</a:t>
             </a:fld>
             <a:endParaRPr lang="zh-CN" altLang="en-US"/>
           </a:p>
@@ -4493,7 +4493,7 @@
         </p:nvSpPr>
         <p:spPr>
           <a:xfrm>
-            <a:off x="-3703399" y="169849"/>
+            <a:off x="-3803289" y="-73219"/>
             <a:ext cx="3259623" cy="430887"/>
           </a:xfrm>
           <a:prstGeom prst="rect">
@@ -4535,8 +4535,8 @@
         </p:nvSpPr>
         <p:spPr>
           <a:xfrm>
-            <a:off x="-2993515" y="926812"/>
-            <a:ext cx="1906183" cy="584775"/>
+            <a:off x="-2481929" y="942231"/>
+            <a:ext cx="934486" cy="369332"/>
           </a:xfrm>
           <a:prstGeom prst="rect">
             <a:avLst/>
@@ -4551,7 +4551,7 @@
           <a:p>
             <a:pPr algn="ctr"/>
             <a:r>
-              <a:rPr lang="en-US" altLang="zh-CN" sz="3200" dirty="0" err="1">
+              <a:rPr lang="en-US" altLang="zh-CN" dirty="0" err="1">
                 <a:solidFill>
                   <a:srgbClr val="B6B6B6"/>
                 </a:solidFill>
@@ -4559,7 +4559,7 @@
               </a:rPr>
               <a:t>grubfm</a:t>
             </a:r>
-            <a:endParaRPr lang="en-US" altLang="zh-CN" sz="3200" b="0" i="0" dirty="0">
+            <a:endParaRPr lang="en-US" altLang="zh-CN" b="0" i="0" dirty="0">
               <a:solidFill>
                 <a:srgbClr val="B6B6B6"/>
               </a:solidFill>
@@ -4571,10 +4571,10 @@
       </p:sp>
       <p:grpSp>
         <p:nvGrpSpPr>
-          <p:cNvPr id="3" name="组合 2">
+          <p:cNvPr id="6" name="组合 5">
             <a:extLst>
               <a:ext uri="{FF2B5EF4-FFF2-40B4-BE49-F238E27FC236}">
-                <a16:creationId xmlns:a16="http://schemas.microsoft.com/office/drawing/2014/main" id="{650F8E7B-A949-027B-0627-2F5F409A6B6A}"/>
+                <a16:creationId xmlns:a16="http://schemas.microsoft.com/office/drawing/2014/main" id="{78AC957E-4378-9001-FC6D-5EDEBACD2E14}"/>
               </a:ext>
             </a:extLst>
           </p:cNvPr>
@@ -4591,83 +4591,6 @@
         </p:grpSpPr>
         <p:pic>
           <p:nvPicPr>
-            <p:cNvPr id="4" name="图片 3">
-              <a:extLst>
-                <a:ext uri="{FF2B5EF4-FFF2-40B4-BE49-F238E27FC236}">
-                  <a16:creationId xmlns:a16="http://schemas.microsoft.com/office/drawing/2014/main" id="{6EBD4538-3A36-C746-27A3-2323C42A5438}"/>
-                </a:ext>
-              </a:extLst>
-            </p:cNvPr>
-            <p:cNvPicPr>
-              <a:picLocks noChangeAspect="1"/>
-            </p:cNvPicPr>
-            <p:nvPr/>
-          </p:nvPicPr>
-          <p:blipFill rotWithShape="1">
-            <a:blip r:embed="rId4">
-              <a:extLst>
-                <a:ext uri="{28A0092B-C50C-407E-A947-70E740481C1C}">
-                  <a14:useLocalDpi xmlns:a14="http://schemas.microsoft.com/office/drawing/2010/main" val="0"/>
-                </a:ext>
-              </a:extLst>
-            </a:blip>
-            <a:srcRect t="-9642"/>
-            <a:stretch/>
-          </p:blipFill>
-          <p:spPr>
-            <a:xfrm>
-              <a:off x="499200" y="0"/>
-              <a:ext cx="1440000" cy="1578838"/>
-            </a:xfrm>
-            <a:prstGeom prst="rect">
-              <a:avLst/>
-            </a:prstGeom>
-          </p:spPr>
-        </p:pic>
-        <p:pic>
-          <p:nvPicPr>
-            <p:cNvPr id="11" name="图片 10">
-              <a:extLst>
-                <a:ext uri="{FF2B5EF4-FFF2-40B4-BE49-F238E27FC236}">
-                  <a16:creationId xmlns:a16="http://schemas.microsoft.com/office/drawing/2014/main" id="{3C342661-D5AE-0522-4AA7-859FDCB9ABD6}"/>
-                </a:ext>
-              </a:extLst>
-            </p:cNvPr>
-            <p:cNvPicPr>
-              <a:picLocks noChangeAspect="1"/>
-            </p:cNvPicPr>
-            <p:nvPr/>
-          </p:nvPicPr>
-          <p:blipFill>
-            <a:blip r:embed="rId5">
-              <a:extLst>
-                <a:ext uri="{BEBA8EAE-BF5A-486C-A8C5-ECC9F3942E4B}">
-                  <a14:imgProps xmlns:a14="http://schemas.microsoft.com/office/drawing/2010/main">
-                    <a14:imgLayer r:embed="rId6">
-                      <a14:imgEffect>
-                        <a14:brightnessContrast contrast="40000"/>
-                      </a14:imgEffect>
-                    </a14:imgLayer>
-                  </a14:imgProps>
-                </a:ext>
-              </a:extLst>
-            </a:blip>
-            <a:stretch>
-              <a:fillRect/>
-            </a:stretch>
-          </p:blipFill>
-          <p:spPr>
-            <a:xfrm>
-              <a:off x="265093" y="558095"/>
-              <a:ext cx="1908213" cy="859611"/>
-            </a:xfrm>
-            <a:prstGeom prst="rect">
-              <a:avLst/>
-            </a:prstGeom>
-          </p:spPr>
-        </p:pic>
-        <p:pic>
-          <p:nvPicPr>
             <p:cNvPr id="2" name="图片 1">
               <a:extLst>
                 <a:ext uri="{FF2B5EF4-FFF2-40B4-BE49-F238E27FC236}">
@@ -4681,7 +4604,7 @@
             <p:nvPr/>
           </p:nvPicPr>
           <p:blipFill rotWithShape="1">
-            <a:blip r:embed="rId7"/>
+            <a:blip r:embed="rId4"/>
             <a:srcRect l="12692" t="1" r="12547" b="-18581"/>
             <a:stretch/>
           </p:blipFill>
@@ -4689,6 +4612,71 @@
             <a:xfrm>
               <a:off x="0" y="1737161"/>
               <a:ext cx="2438400" cy="701239"/>
+            </a:xfrm>
+            <a:prstGeom prst="rect">
+              <a:avLst/>
+            </a:prstGeom>
+          </p:spPr>
+        </p:pic>
+        <p:pic>
+          <p:nvPicPr>
+            <p:cNvPr id="8" name="图片 7">
+              <a:extLst>
+                <a:ext uri="{FF2B5EF4-FFF2-40B4-BE49-F238E27FC236}">
+                  <a16:creationId xmlns:a16="http://schemas.microsoft.com/office/drawing/2014/main" id="{E5096B8A-B7C3-B895-ADB6-EBE87768DFC5}"/>
+                </a:ext>
+              </a:extLst>
+            </p:cNvPr>
+            <p:cNvPicPr>
+              <a:picLocks noChangeAspect="1"/>
+            </p:cNvPicPr>
+            <p:nvPr/>
+          </p:nvPicPr>
+          <p:blipFill rotWithShape="1">
+            <a:blip r:embed="rId5">
+              <a:extLst>
+                <a:ext uri="{28A0092B-C50C-407E-A947-70E740481C1C}">
+                  <a14:useLocalDpi xmlns:a14="http://schemas.microsoft.com/office/drawing/2010/main" val="0"/>
+                </a:ext>
+              </a:extLst>
+            </a:blip>
+            <a:srcRect t="-4835"/>
+            <a:stretch/>
+          </p:blipFill>
+          <p:spPr>
+            <a:xfrm>
+              <a:off x="427200" y="0"/>
+              <a:ext cx="1584000" cy="1660581"/>
+            </a:xfrm>
+            <a:prstGeom prst="rect">
+              <a:avLst/>
+            </a:prstGeom>
+          </p:spPr>
+        </p:pic>
+        <p:pic>
+          <p:nvPicPr>
+            <p:cNvPr id="3" name="图片 2">
+              <a:extLst>
+                <a:ext uri="{FF2B5EF4-FFF2-40B4-BE49-F238E27FC236}">
+                  <a16:creationId xmlns:a16="http://schemas.microsoft.com/office/drawing/2014/main" id="{A2B878CB-DFCD-6938-E326-41C0E07173D8}"/>
+                </a:ext>
+              </a:extLst>
+            </p:cNvPr>
+            <p:cNvPicPr>
+              <a:picLocks noChangeAspect="1"/>
+            </p:cNvPicPr>
+            <p:nvPr/>
+          </p:nvPicPr>
+          <p:blipFill>
+            <a:blip r:embed="rId6"/>
+            <a:stretch>
+              <a:fillRect/>
+            </a:stretch>
+          </p:blipFill>
+          <p:spPr>
+            <a:xfrm>
+              <a:off x="1098242" y="1147075"/>
+              <a:ext cx="975445" cy="499915"/>
             </a:xfrm>
             <a:prstGeom prst="rect">
               <a:avLst/>
